--- a/img/tokei.pptx
+++ b/img/tokei.pptx
@@ -2043,7 +2043,7 @@
         </p:nvSpPr>
         <p:spPr>
           <a:xfrm>
-            <a:off x="1853952" y="1784460"/>
+            <a:off x="1853952" y="1842019"/>
             <a:ext cx="590373" cy="205100"/>
           </a:xfrm>
           <a:prstGeom prst="rect">
@@ -2321,6 +2321,7 @@
               </a:bodyPr>
               <a:lstStyle/>
               <a:p>
+                <a:pPr/>
                 <a14:m>
                   <m:oMathPara xmlns:m="http://schemas.openxmlformats.org/officeDocument/2006/math">
                     <m:oMathParaPr>
@@ -2564,107 +2565,13 @@
       </p:sp>
       <p:sp>
         <p:nvSpPr>
-          <p:cNvPr id="5" name="円弧 4"/>
-          <p:cNvSpPr/>
-          <p:nvPr/>
-        </p:nvSpPr>
-        <p:spPr>
-          <a:xfrm>
-            <a:off x="1853951" y="1989560"/>
-            <a:ext cx="365838" cy="216024"/>
-          </a:xfrm>
-          <a:prstGeom prst="arc">
-            <a:avLst>
-              <a:gd name="adj1" fmla="val 10823099"/>
-              <a:gd name="adj2" fmla="val 0"/>
-            </a:avLst>
-          </a:prstGeom>
-          <a:ln>
-            <a:solidFill>
-              <a:schemeClr val="tx1"/>
-            </a:solidFill>
-            <a:tailEnd type="triangle"/>
-          </a:ln>
-        </p:spPr>
-        <p:style>
-          <a:lnRef idx="1">
-            <a:schemeClr val="accent1"/>
-          </a:lnRef>
-          <a:fillRef idx="0">
-            <a:schemeClr val="accent1"/>
-          </a:fillRef>
-          <a:effectRef idx="0">
-            <a:schemeClr val="accent1"/>
-          </a:effectRef>
-          <a:fontRef idx="minor">
-            <a:schemeClr val="tx1"/>
-          </a:fontRef>
-        </p:style>
-        <p:txBody>
-          <a:bodyPr rtlCol="0" anchor="ctr"/>
-          <a:lstStyle/>
-          <a:p>
-            <a:pPr algn="ctr"/>
-            <a:endParaRPr kumimoji="1" lang="ja-JP" altLang="en-US"/>
-          </a:p>
-        </p:txBody>
-      </p:sp>
-      <p:sp>
-        <p:nvSpPr>
-          <p:cNvPr id="33" name="円弧 32"/>
-          <p:cNvSpPr/>
-          <p:nvPr/>
-        </p:nvSpPr>
-        <p:spPr>
-          <a:xfrm>
-            <a:off x="1844288" y="1693687"/>
-            <a:ext cx="1305808" cy="181019"/>
-          </a:xfrm>
-          <a:prstGeom prst="arc">
-            <a:avLst>
-              <a:gd name="adj1" fmla="val 10823099"/>
-              <a:gd name="adj2" fmla="val 0"/>
-            </a:avLst>
-          </a:prstGeom>
-          <a:ln>
-            <a:solidFill>
-              <a:schemeClr val="tx1"/>
-            </a:solidFill>
-            <a:tailEnd type="triangle"/>
-          </a:ln>
-        </p:spPr>
-        <p:style>
-          <a:lnRef idx="1">
-            <a:schemeClr val="accent1"/>
-          </a:lnRef>
-          <a:fillRef idx="0">
-            <a:schemeClr val="accent1"/>
-          </a:fillRef>
-          <a:effectRef idx="0">
-            <a:schemeClr val="accent1"/>
-          </a:effectRef>
-          <a:fontRef idx="minor">
-            <a:schemeClr val="tx1"/>
-          </a:fontRef>
-        </p:style>
-        <p:txBody>
-          <a:bodyPr rtlCol="0" anchor="ctr"/>
-          <a:lstStyle/>
-          <a:p>
-            <a:pPr algn="ctr"/>
-            <a:endParaRPr kumimoji="1" lang="ja-JP" altLang="en-US"/>
-          </a:p>
-        </p:txBody>
-      </p:sp>
-      <p:sp>
-        <p:nvSpPr>
           <p:cNvPr id="34" name="テキスト ボックス 33"/>
           <p:cNvSpPr txBox="1"/>
           <p:nvPr/>
         </p:nvSpPr>
         <p:spPr>
           <a:xfrm>
-            <a:off x="2202005" y="1488587"/>
+            <a:off x="2202005" y="1629916"/>
             <a:ext cx="590373" cy="205100"/>
           </a:xfrm>
           <a:prstGeom prst="rect">
@@ -2734,6 +2641,7 @@
               </a:bodyPr>
               <a:lstStyle/>
               <a:p>
+                <a:pPr/>
                 <a14:m>
                   <m:oMathPara xmlns:m="http://schemas.openxmlformats.org/officeDocument/2006/math">
                     <m:oMathParaPr>
@@ -2805,20 +2713,67 @@
       </mc:AlternateContent>
       <p:sp>
         <p:nvSpPr>
-          <p:cNvPr id="37" name="円弧 36"/>
-          <p:cNvSpPr/>
+          <p:cNvPr id="38" name="テキスト ボックス 37"/>
+          <p:cNvSpPr txBox="1"/>
           <p:nvPr/>
         </p:nvSpPr>
         <p:spPr>
-          <a:xfrm flipV="1">
-            <a:off x="1853952" y="2531162"/>
-            <a:ext cx="1949652" cy="106866"/>
+          <a:xfrm>
+            <a:off x="2415831" y="2566020"/>
+            <a:ext cx="689759" cy="205100"/>
           </a:xfrm>
-          <a:prstGeom prst="arc">
-            <a:avLst>
-              <a:gd name="adj1" fmla="val 10823099"/>
-              <a:gd name="adj2" fmla="val 0"/>
-            </a:avLst>
+          <a:prstGeom prst="rect">
+            <a:avLst/>
+          </a:prstGeom>
+          <a:noFill/>
+          <a:ln w="19050" cap="rnd">
+            <a:noFill/>
+            <a:prstDash val="sysDash"/>
+          </a:ln>
+        </p:spPr>
+        <p:txBody>
+          <a:bodyPr wrap="none" lIns="43094" tIns="21548" rIns="43094" bIns="21548" rtlCol="0">
+            <a:spAutoFit/>
+          </a:bodyPr>
+          <a:lstStyle/>
+          <a:p>
+            <a:r>
+              <a:rPr lang="en-US" altLang="ja-JP" sz="1050" smtClean="0">
+                <a:latin typeface="HG丸ｺﾞｼｯｸM-PRO" panose="020F0600000000000000" pitchFamily="50" charset="-128"/>
+                <a:ea typeface="HG丸ｺﾞｼｯｸM-PRO" panose="020F0600000000000000" pitchFamily="50" charset="-128"/>
+                <a:cs typeface="Courier New" pitchFamily="49" charset="0"/>
+              </a:rPr>
+              <a:t>50</a:t>
+            </a:r>
+            <a:r>
+              <a:rPr lang="ja-JP" altLang="en-US" sz="1050" smtClean="0">
+                <a:latin typeface="HG丸ｺﾞｼｯｸM-PRO" panose="020F0600000000000000" pitchFamily="50" charset="-128"/>
+                <a:ea typeface="HG丸ｺﾞｼｯｸM-PRO" panose="020F0600000000000000" pitchFamily="50" charset="-128"/>
+                <a:cs typeface="Courier New" pitchFamily="49" charset="0"/>
+              </a:rPr>
+              <a:t>時間後</a:t>
+            </a:r>
+            <a:endParaRPr lang="ja-JP" altLang="en-US" sz="1050">
+              <a:latin typeface="HG丸ｺﾞｼｯｸM-PRO" panose="020F0600000000000000" pitchFamily="50" charset="-128"/>
+              <a:ea typeface="HG丸ｺﾞｼｯｸM-PRO" panose="020F0600000000000000" pitchFamily="50" charset="-128"/>
+              <a:cs typeface="Courier New" pitchFamily="49" charset="0"/>
+            </a:endParaRPr>
+          </a:p>
+        </p:txBody>
+      </p:sp>
+      <p:cxnSp>
+        <p:nvCxnSpPr>
+          <p:cNvPr id="3" name="直線矢印コネクタ 2"/>
+          <p:cNvCxnSpPr/>
+          <p:nvPr/>
+        </p:nvCxnSpPr>
+        <p:spPr>
+          <a:xfrm>
+            <a:off x="1853951" y="1842019"/>
+            <a:ext cx="1296145" cy="0"/>
+          </a:xfrm>
+          <a:prstGeom prst="straightConnector1">
+            <a:avLst/>
           </a:prstGeom>
           <a:ln>
             <a:solidFill>
@@ -2841,65 +2796,79 @@
             <a:schemeClr val="tx1"/>
           </a:fontRef>
         </p:style>
-        <p:txBody>
-          <a:bodyPr rtlCol="0" anchor="ctr"/>
-          <a:lstStyle/>
-          <a:p>
-            <a:pPr algn="ctr"/>
-            <a:endParaRPr kumimoji="1" lang="ja-JP" altLang="en-US"/>
-          </a:p>
-        </p:txBody>
-      </p:sp>
-      <p:sp>
-        <p:nvSpPr>
-          <p:cNvPr id="38" name="テキスト ボックス 37"/>
-          <p:cNvSpPr txBox="1"/>
+      </p:cxnSp>
+      <p:cxnSp>
+        <p:nvCxnSpPr>
+          <p:cNvPr id="26" name="直線矢印コネクタ 25"/>
+          <p:cNvCxnSpPr/>
           <p:nvPr/>
-        </p:nvSpPr>
+        </p:nvCxnSpPr>
         <p:spPr>
           <a:xfrm>
-            <a:off x="2415831" y="2631694"/>
-            <a:ext cx="689759" cy="205100"/>
+            <a:off x="1853952" y="2061964"/>
+            <a:ext cx="365837" cy="0"/>
           </a:xfrm>
-          <a:prstGeom prst="rect">
+          <a:prstGeom prst="straightConnector1">
             <a:avLst/>
           </a:prstGeom>
-          <a:noFill/>
-          <a:ln w="19050" cap="rnd">
-            <a:noFill/>
-            <a:prstDash val="sysDash"/>
+          <a:ln>
+            <a:solidFill>
+              <a:schemeClr val="tx1"/>
+            </a:solidFill>
+            <a:tailEnd type="triangle"/>
           </a:ln>
         </p:spPr>
-        <p:txBody>
-          <a:bodyPr wrap="none" lIns="43094" tIns="21548" rIns="43094" bIns="21548" rtlCol="0">
-            <a:spAutoFit/>
-          </a:bodyPr>
-          <a:lstStyle/>
-          <a:p>
-            <a:r>
-              <a:rPr lang="en-US" altLang="ja-JP" sz="1050" smtClean="0">
-                <a:latin typeface="HG丸ｺﾞｼｯｸM-PRO" panose="020F0600000000000000" pitchFamily="50" charset="-128"/>
-                <a:ea typeface="HG丸ｺﾞｼｯｸM-PRO" panose="020F0600000000000000" pitchFamily="50" charset="-128"/>
-                <a:cs typeface="Courier New" pitchFamily="49" charset="0"/>
-              </a:rPr>
-              <a:t>50</a:t>
-            </a:r>
-            <a:r>
-              <a:rPr lang="ja-JP" altLang="en-US" sz="1050" smtClean="0">
-                <a:latin typeface="HG丸ｺﾞｼｯｸM-PRO" panose="020F0600000000000000" pitchFamily="50" charset="-128"/>
-                <a:ea typeface="HG丸ｺﾞｼｯｸM-PRO" panose="020F0600000000000000" pitchFamily="50" charset="-128"/>
-                <a:cs typeface="Courier New" pitchFamily="49" charset="0"/>
-              </a:rPr>
-              <a:t>時間後</a:t>
-            </a:r>
-            <a:endParaRPr lang="ja-JP" altLang="en-US" sz="1050">
-              <a:latin typeface="HG丸ｺﾞｼｯｸM-PRO" panose="020F0600000000000000" pitchFamily="50" charset="-128"/>
-              <a:ea typeface="HG丸ｺﾞｼｯｸM-PRO" panose="020F0600000000000000" pitchFamily="50" charset="-128"/>
-              <a:cs typeface="Courier New" pitchFamily="49" charset="0"/>
-            </a:endParaRPr>
-          </a:p>
-        </p:txBody>
-      </p:sp>
+        <p:style>
+          <a:lnRef idx="1">
+            <a:schemeClr val="accent1"/>
+          </a:lnRef>
+          <a:fillRef idx="0">
+            <a:schemeClr val="accent1"/>
+          </a:fillRef>
+          <a:effectRef idx="0">
+            <a:schemeClr val="accent1"/>
+          </a:effectRef>
+          <a:fontRef idx="minor">
+            <a:schemeClr val="tx1"/>
+          </a:fontRef>
+        </p:style>
+      </p:cxnSp>
+      <p:cxnSp>
+        <p:nvCxnSpPr>
+          <p:cNvPr id="32" name="直線矢印コネクタ 31"/>
+          <p:cNvCxnSpPr/>
+          <p:nvPr/>
+        </p:nvCxnSpPr>
+        <p:spPr>
+          <a:xfrm>
+            <a:off x="1853952" y="2566020"/>
+            <a:ext cx="1949652" cy="0"/>
+          </a:xfrm>
+          <a:prstGeom prst="straightConnector1">
+            <a:avLst/>
+          </a:prstGeom>
+          <a:ln>
+            <a:solidFill>
+              <a:schemeClr val="tx1"/>
+            </a:solidFill>
+            <a:tailEnd type="triangle"/>
+          </a:ln>
+        </p:spPr>
+        <p:style>
+          <a:lnRef idx="1">
+            <a:schemeClr val="accent1"/>
+          </a:lnRef>
+          <a:fillRef idx="0">
+            <a:schemeClr val="accent1"/>
+          </a:fillRef>
+          <a:effectRef idx="0">
+            <a:schemeClr val="accent1"/>
+          </a:effectRef>
+          <a:fontRef idx="minor">
+            <a:schemeClr val="tx1"/>
+          </a:fontRef>
+        </p:style>
+      </p:cxnSp>
     </p:spTree>
     <p:extLst>
       <p:ext uri="{BB962C8B-B14F-4D97-AF65-F5344CB8AC3E}">
